--- a/prezentace/251002_cell_fate_boehm_layers_pc_est_n4_fixed.pptx
+++ b/prezentace/251002_cell_fate_boehm_layers_pc_est_n4_fixed.pptx
@@ -7,10 +7,14 @@
   <p:sldIdLst>
     <p:sldId id="256" r:id="rId2"/>
     <p:sldId id="258" r:id="rId3"/>
-    <p:sldId id="261" r:id="rId4"/>
-    <p:sldId id="257" r:id="rId5"/>
-    <p:sldId id="259" r:id="rId6"/>
-    <p:sldId id="260" r:id="rId7"/>
+    <p:sldId id="265" r:id="rId4"/>
+    <p:sldId id="261" r:id="rId5"/>
+    <p:sldId id="257" r:id="rId6"/>
+    <p:sldId id="259" r:id="rId7"/>
+    <p:sldId id="260" r:id="rId8"/>
+    <p:sldId id="262" r:id="rId9"/>
+    <p:sldId id="263" r:id="rId10"/>
+    <p:sldId id="264" r:id="rId11"/>
   </p:sldIdLst>
   <p:sldSz cx="12192000" cy="6858000"/>
   <p:notesSz cx="6858000" cy="9144000"/>
@@ -109,6 +113,11 @@
       </a:defRPr>
     </a:lvl9pPr>
   </p:defaultTextStyle>
+  <p:extLst>
+    <p:ext uri="{EFAFB233-063F-42B5-8137-9DF3F51BA10A}">
+      <p15:sldGuideLst xmlns:p15="http://schemas.microsoft.com/office/powerpoint/2012/main"/>
+    </p:ext>
+  </p:extLst>
 </p:presentation>
 </file>
 
@@ -343,7 +352,7 @@
           <a:p>
             <a:fld id="{EBEDBD21-3F7F-4E93-846B-45B73C47852A}" type="datetimeFigureOut">
               <a:rPr lang="en-GB" smtClean="0"/>
-              <a:t>30/09/2025</a:t>
+              <a:t>02/10/2025</a:t>
             </a:fld>
             <a:endParaRPr lang="en-GB"/>
           </a:p>
@@ -541,7 +550,7 @@
           <a:p>
             <a:fld id="{EBEDBD21-3F7F-4E93-846B-45B73C47852A}" type="datetimeFigureOut">
               <a:rPr lang="en-GB" smtClean="0"/>
-              <a:t>30/09/2025</a:t>
+              <a:t>02/10/2025</a:t>
             </a:fld>
             <a:endParaRPr lang="en-GB"/>
           </a:p>
@@ -749,7 +758,7 @@
           <a:p>
             <a:fld id="{EBEDBD21-3F7F-4E93-846B-45B73C47852A}" type="datetimeFigureOut">
               <a:rPr lang="en-GB" smtClean="0"/>
-              <a:t>30/09/2025</a:t>
+              <a:t>02/10/2025</a:t>
             </a:fld>
             <a:endParaRPr lang="en-GB"/>
           </a:p>
@@ -947,7 +956,7 @@
           <a:p>
             <a:fld id="{EBEDBD21-3F7F-4E93-846B-45B73C47852A}" type="datetimeFigureOut">
               <a:rPr lang="en-GB" smtClean="0"/>
-              <a:t>30/09/2025</a:t>
+              <a:t>02/10/2025</a:t>
             </a:fld>
             <a:endParaRPr lang="en-GB"/>
           </a:p>
@@ -1222,7 +1231,7 @@
           <a:p>
             <a:fld id="{EBEDBD21-3F7F-4E93-846B-45B73C47852A}" type="datetimeFigureOut">
               <a:rPr lang="en-GB" smtClean="0"/>
-              <a:t>30/09/2025</a:t>
+              <a:t>02/10/2025</a:t>
             </a:fld>
             <a:endParaRPr lang="en-GB"/>
           </a:p>
@@ -1487,7 +1496,7 @@
           <a:p>
             <a:fld id="{EBEDBD21-3F7F-4E93-846B-45B73C47852A}" type="datetimeFigureOut">
               <a:rPr lang="en-GB" smtClean="0"/>
-              <a:t>30/09/2025</a:t>
+              <a:t>02/10/2025</a:t>
             </a:fld>
             <a:endParaRPr lang="en-GB"/>
           </a:p>
@@ -1899,7 +1908,7 @@
           <a:p>
             <a:fld id="{EBEDBD21-3F7F-4E93-846B-45B73C47852A}" type="datetimeFigureOut">
               <a:rPr lang="en-GB" smtClean="0"/>
-              <a:t>30/09/2025</a:t>
+              <a:t>02/10/2025</a:t>
             </a:fld>
             <a:endParaRPr lang="en-GB"/>
           </a:p>
@@ -2040,7 +2049,7 @@
           <a:p>
             <a:fld id="{EBEDBD21-3F7F-4E93-846B-45B73C47852A}" type="datetimeFigureOut">
               <a:rPr lang="en-GB" smtClean="0"/>
-              <a:t>30/09/2025</a:t>
+              <a:t>02/10/2025</a:t>
             </a:fld>
             <a:endParaRPr lang="en-GB"/>
           </a:p>
@@ -2153,7 +2162,7 @@
           <a:p>
             <a:fld id="{EBEDBD21-3F7F-4E93-846B-45B73C47852A}" type="datetimeFigureOut">
               <a:rPr lang="en-GB" smtClean="0"/>
-              <a:t>30/09/2025</a:t>
+              <a:t>02/10/2025</a:t>
             </a:fld>
             <a:endParaRPr lang="en-GB"/>
           </a:p>
@@ -2464,7 +2473,7 @@
           <a:p>
             <a:fld id="{EBEDBD21-3F7F-4E93-846B-45B73C47852A}" type="datetimeFigureOut">
               <a:rPr lang="en-GB" smtClean="0"/>
-              <a:t>30/09/2025</a:t>
+              <a:t>02/10/2025</a:t>
             </a:fld>
             <a:endParaRPr lang="en-GB"/>
           </a:p>
@@ -2752,7 +2761,7 @@
           <a:p>
             <a:fld id="{EBEDBD21-3F7F-4E93-846B-45B73C47852A}" type="datetimeFigureOut">
               <a:rPr lang="en-GB" smtClean="0"/>
-              <a:t>30/09/2025</a:t>
+              <a:t>02/10/2025</a:t>
             </a:fld>
             <a:endParaRPr lang="en-GB"/>
           </a:p>
@@ -2993,7 +3002,7 @@
           <a:p>
             <a:fld id="{EBEDBD21-3F7F-4E93-846B-45B73C47852A}" type="datetimeFigureOut">
               <a:rPr lang="en-GB" smtClean="0"/>
-              <a:t>30/09/2025</a:t>
+              <a:t>02/10/2025</a:t>
             </a:fld>
             <a:endParaRPr lang="en-GB"/>
           </a:p>
@@ -3478,7 +3487,7 @@
           <a:p>
             <a:r>
               <a:rPr lang="en-GB" dirty="0"/>
-              <a:t>Boehms paper</a:t>
+              <a:t>Boehm’s paper</a:t>
             </a:r>
           </a:p>
         </p:txBody>
@@ -3487,6 +3496,166 @@
     <p:extLst>
       <p:ext uri="{BB962C8B-B14F-4D97-AF65-F5344CB8AC3E}">
         <p14:creationId xmlns:p14="http://schemas.microsoft.com/office/powerpoint/2010/main" val="37322929"/>
+      </p:ext>
+    </p:extLst>
+  </p:cSld>
+  <p:clrMapOvr>
+    <a:masterClrMapping/>
+  </p:clrMapOvr>
+</p:sld>
+</file>
+
+<file path=ppt/slides/slide10.xml><?xml version="1.0" encoding="utf-8"?>
+<p:sld xmlns:a="http://schemas.openxmlformats.org/drawingml/2006/main" xmlns:r="http://schemas.openxmlformats.org/officeDocument/2006/relationships" xmlns:p="http://schemas.openxmlformats.org/presentationml/2006/main">
+  <p:cSld>
+    <p:spTree>
+      <p:nvGrpSpPr>
+        <p:cNvPr id="1" name=""/>
+        <p:cNvGrpSpPr/>
+        <p:nvPr/>
+      </p:nvGrpSpPr>
+      <p:grpSpPr>
+        <a:xfrm>
+          <a:off x="0" y="0"/>
+          <a:ext cx="0" cy="0"/>
+          <a:chOff x="0" y="0"/>
+          <a:chExt cx="0" cy="0"/>
+        </a:xfrm>
+      </p:grpSpPr>
+      <p:pic>
+        <p:nvPicPr>
+          <p:cNvPr id="7" name="Content Placeholder 6" descr="A graph with green dots&#10;&#10;AI-generated content may be incorrect.">
+            <a:extLst>
+              <a:ext uri="{FF2B5EF4-FFF2-40B4-BE49-F238E27FC236}">
+                <a16:creationId xmlns:a16="http://schemas.microsoft.com/office/drawing/2014/main" id="{867C3924-8DE5-7EB4-E1E4-1D0BF73AAAE8}"/>
+              </a:ext>
+            </a:extLst>
+          </p:cNvPr>
+          <p:cNvPicPr>
+            <a:picLocks noGrp="1" noChangeAspect="1"/>
+          </p:cNvPicPr>
+          <p:nvPr>
+            <p:ph idx="1"/>
+          </p:nvPr>
+        </p:nvPicPr>
+        <p:blipFill>
+          <a:blip r:embed="rId2">
+            <a:extLst>
+              <a:ext uri="{28A0092B-C50C-407E-A947-70E740481C1C}">
+                <a14:useLocalDpi xmlns:a14="http://schemas.microsoft.com/office/drawing/2010/main" val="0"/>
+              </a:ext>
+            </a:extLst>
+          </a:blip>
+          <a:stretch>
+            <a:fillRect/>
+          </a:stretch>
+        </p:blipFill>
+        <p:spPr>
+          <a:xfrm>
+            <a:off x="829925" y="1774262"/>
+            <a:ext cx="5801784" cy="4351338"/>
+          </a:xfrm>
+        </p:spPr>
+      </p:pic>
+      <p:sp>
+        <p:nvSpPr>
+          <p:cNvPr id="4" name="Title 1">
+            <a:extLst>
+              <a:ext uri="{FF2B5EF4-FFF2-40B4-BE49-F238E27FC236}">
+                <a16:creationId xmlns:a16="http://schemas.microsoft.com/office/drawing/2014/main" id="{775E97BD-FD06-23EC-CCE8-E6DCEE09A39A}"/>
+              </a:ext>
+            </a:extLst>
+          </p:cNvPr>
+          <p:cNvSpPr txBox="1">
+            <a:spLocks/>
+          </p:cNvSpPr>
+          <p:nvPr/>
+        </p:nvSpPr>
+        <p:spPr>
+          <a:xfrm>
+            <a:off x="838200" y="448699"/>
+            <a:ext cx="10515600" cy="1325563"/>
+          </a:xfrm>
+          <a:prstGeom prst="rect">
+            <a:avLst/>
+          </a:prstGeom>
+        </p:spPr>
+        <p:txBody>
+          <a:bodyPr vert="horz" lIns="91440" tIns="45720" rIns="91440" bIns="45720" rtlCol="0" anchor="ctr">
+            <a:normAutofit/>
+          </a:bodyPr>
+          <a:lstStyle>
+            <a:lvl1pPr algn="l" defTabSz="914400" rtl="0" eaLnBrk="1" latinLnBrk="0" hangingPunct="1">
+              <a:lnSpc>
+                <a:spcPct val="90000"/>
+              </a:lnSpc>
+              <a:spcBef>
+                <a:spcPct val="0"/>
+              </a:spcBef>
+              <a:buNone/>
+              <a:defRPr sz="4400" kern="1200">
+                <a:solidFill>
+                  <a:schemeClr val="tx1"/>
+                </a:solidFill>
+                <a:latin typeface="+mj-lt"/>
+                <a:ea typeface="+mj-ea"/>
+                <a:cs typeface="+mj-cs"/>
+              </a:defRPr>
+            </a:lvl1pPr>
+          </a:lstStyle>
+          <a:p>
+            <a:r>
+              <a:rPr lang="en-GB" dirty="0"/>
+              <a:t>Pc estimation and true_cd4 </a:t>
+            </a:r>
+            <a:r>
+              <a:rPr lang="cs-CZ" dirty="0" err="1"/>
+              <a:t>fixed</a:t>
+            </a:r>
+            <a:endParaRPr lang="en-GB" dirty="0"/>
+          </a:p>
+        </p:txBody>
+      </p:sp>
+      <p:sp>
+        <p:nvSpPr>
+          <p:cNvPr id="5" name="TextBox 4">
+            <a:extLst>
+              <a:ext uri="{FF2B5EF4-FFF2-40B4-BE49-F238E27FC236}">
+                <a16:creationId xmlns:a16="http://schemas.microsoft.com/office/drawing/2014/main" id="{24686C7D-E122-B88F-35A2-9708D1C3C8ED}"/>
+              </a:ext>
+            </a:extLst>
+          </p:cNvPr>
+          <p:cNvSpPr txBox="1"/>
+          <p:nvPr/>
+        </p:nvSpPr>
+        <p:spPr>
+          <a:xfrm>
+            <a:off x="905164" y="1351900"/>
+            <a:ext cx="5726545" cy="369332"/>
+          </a:xfrm>
+          <a:prstGeom prst="rect">
+            <a:avLst/>
+          </a:prstGeom>
+          <a:noFill/>
+        </p:spPr>
+        <p:txBody>
+          <a:bodyPr wrap="square" rtlCol="0">
+            <a:spAutoFit/>
+          </a:bodyPr>
+          <a:lstStyle/>
+          <a:p>
+            <a:r>
+              <a:rPr lang="cs-CZ" dirty="0"/>
+              <a:t>Beta, true_cd4 = 89</a:t>
+            </a:r>
+            <a:endParaRPr lang="en-GB" dirty="0"/>
+          </a:p>
+        </p:txBody>
+      </p:sp>
+    </p:spTree>
+    <p:extLst>
+      <p:ext uri="{BB962C8B-B14F-4D97-AF65-F5344CB8AC3E}">
+        <p14:creationId xmlns:p14="http://schemas.microsoft.com/office/powerpoint/2010/main" val="962877953"/>
       </p:ext>
     </p:extLst>
   </p:cSld>
@@ -3656,7 +3825,15 @@
           <a:p>
             <a:r>
               <a:rPr lang="en-GB" dirty="0"/>
-              <a:t>CD4-only = </a:t>
+              <a:t>CD4</a:t>
+            </a:r>
+            <a:r>
+              <a:rPr lang="cs-CZ" dirty="0"/>
+              <a:t>_</a:t>
+            </a:r>
+            <a:r>
+              <a:rPr lang="en-GB" dirty="0"/>
+              <a:t>only = </a:t>
             </a:r>
             <a:r>
               <a:rPr lang="en-GB" dirty="0" err="1"/>
@@ -3925,6 +4102,250 @@
       </p:grpSpPr>
       <p:sp>
         <p:nvSpPr>
+          <p:cNvPr id="4" name="Title 1">
+            <a:extLst>
+              <a:ext uri="{FF2B5EF4-FFF2-40B4-BE49-F238E27FC236}">
+                <a16:creationId xmlns:a16="http://schemas.microsoft.com/office/drawing/2014/main" id="{4174BED2-E25B-30C6-A2BD-D55FED21AC5F}"/>
+              </a:ext>
+            </a:extLst>
+          </p:cNvPr>
+          <p:cNvSpPr>
+            <a:spLocks noGrp="1"/>
+          </p:cNvSpPr>
+          <p:nvPr>
+            <p:ph type="title"/>
+          </p:nvPr>
+        </p:nvSpPr>
+        <p:spPr>
+          <a:xfrm>
+            <a:off x="838200" y="365125"/>
+            <a:ext cx="10515600" cy="1325563"/>
+          </a:xfrm>
+        </p:spPr>
+        <p:txBody>
+          <a:bodyPr/>
+          <a:lstStyle/>
+          <a:p>
+            <a:r>
+              <a:rPr lang="en-GB" dirty="0"/>
+              <a:t>All depths with fixed true_cd4</a:t>
+            </a:r>
+          </a:p>
+        </p:txBody>
+      </p:sp>
+      <p:sp>
+        <p:nvSpPr>
+          <p:cNvPr id="10" name="TextBox 9">
+            <a:extLst>
+              <a:ext uri="{FF2B5EF4-FFF2-40B4-BE49-F238E27FC236}">
+                <a16:creationId xmlns:a16="http://schemas.microsoft.com/office/drawing/2014/main" id="{2DB95A4A-D57D-3CD3-FE2A-0BD0921936A1}"/>
+              </a:ext>
+            </a:extLst>
+          </p:cNvPr>
+          <p:cNvSpPr txBox="1"/>
+          <p:nvPr/>
+        </p:nvSpPr>
+        <p:spPr>
+          <a:xfrm>
+            <a:off x="344129" y="1897626"/>
+            <a:ext cx="4776390" cy="3139321"/>
+          </a:xfrm>
+          <a:prstGeom prst="rect">
+            <a:avLst/>
+          </a:prstGeom>
+          <a:noFill/>
+        </p:spPr>
+        <p:txBody>
+          <a:bodyPr wrap="square" rtlCol="0">
+            <a:spAutoFit/>
+          </a:bodyPr>
+          <a:lstStyle/>
+          <a:p>
+            <a:r>
+              <a:rPr lang="cs-CZ" dirty="0"/>
+              <a:t>n4 = true_cd4</a:t>
+            </a:r>
+          </a:p>
+          <a:p>
+            <a:r>
+              <a:rPr lang="cs-CZ" dirty="0"/>
+              <a:t>n8 = true_cd8</a:t>
+            </a:r>
+          </a:p>
+          <a:p>
+            <a:endParaRPr lang="cs-CZ" dirty="0"/>
+          </a:p>
+          <a:p>
+            <a:r>
+              <a:rPr lang="cs-CZ" dirty="0" err="1"/>
+              <a:t>Adding</a:t>
+            </a:r>
+            <a:r>
+              <a:rPr lang="cs-CZ" dirty="0"/>
+              <a:t> </a:t>
+            </a:r>
+            <a:r>
+              <a:rPr lang="cs-CZ" dirty="0" err="1"/>
+              <a:t>the</a:t>
+            </a:r>
+            <a:r>
+              <a:rPr lang="cs-CZ" dirty="0"/>
+              <a:t> </a:t>
+            </a:r>
+            <a:r>
+              <a:rPr lang="cs-CZ" dirty="0" err="1"/>
+              <a:t>equation</a:t>
+            </a:r>
+            <a:r>
+              <a:rPr lang="cs-CZ" dirty="0"/>
+              <a:t> </a:t>
+            </a:r>
+            <a:r>
+              <a:rPr lang="cs-CZ" dirty="0" err="1"/>
+              <a:t>for</a:t>
+            </a:r>
+            <a:r>
+              <a:rPr lang="cs-CZ" dirty="0"/>
+              <a:t> </a:t>
+            </a:r>
+            <a:r>
+              <a:rPr lang="cs-CZ" dirty="0" err="1"/>
+              <a:t>Pc</a:t>
+            </a:r>
+            <a:r>
+              <a:rPr lang="cs-CZ" dirty="0"/>
+              <a:t> </a:t>
+            </a:r>
+            <a:r>
+              <a:rPr lang="cs-CZ" dirty="0" err="1"/>
+              <a:t>based</a:t>
+            </a:r>
+            <a:r>
+              <a:rPr lang="cs-CZ" dirty="0"/>
+              <a:t> on true_cd8</a:t>
+            </a:r>
+          </a:p>
+          <a:p>
+            <a:endParaRPr lang="cs-CZ" dirty="0"/>
+          </a:p>
+          <a:p>
+            <a:r>
+              <a:rPr lang="cs-CZ" dirty="0" err="1"/>
+              <a:t>The</a:t>
+            </a:r>
+            <a:r>
+              <a:rPr lang="cs-CZ" dirty="0"/>
+              <a:t> </a:t>
+            </a:r>
+            <a:r>
+              <a:rPr lang="cs-CZ" dirty="0" err="1"/>
+              <a:t>code</a:t>
+            </a:r>
+            <a:r>
+              <a:rPr lang="cs-CZ" dirty="0"/>
+              <a:t>:</a:t>
+            </a:r>
+          </a:p>
+          <a:p>
+            <a:r>
+              <a:rPr lang="en-GB" dirty="0"/>
+              <a:t>pc_8_fixed_n4 =</a:t>
+            </a:r>
+            <a:r>
+              <a:rPr lang="cs-CZ" dirty="0"/>
+              <a:t> </a:t>
+            </a:r>
+            <a:r>
+              <a:rPr lang="en-GB" dirty="0"/>
+              <a:t>(CD8</a:t>
+            </a:r>
+            <a:r>
+              <a:rPr lang="cs-CZ" dirty="0"/>
+              <a:t>_</a:t>
+            </a:r>
+            <a:r>
+              <a:rPr lang="cs-CZ" dirty="0" err="1"/>
+              <a:t>only</a:t>
+            </a:r>
+            <a:r>
+              <a:rPr lang="en-GB" dirty="0"/>
+              <a:t>/(expected_n8))^(1/depth)) </a:t>
+            </a:r>
+            <a:endParaRPr lang="cs-CZ" dirty="0"/>
+          </a:p>
+          <a:p>
+            <a:endParaRPr lang="cs-CZ" dirty="0"/>
+          </a:p>
+          <a:p>
+            <a:r>
+              <a:rPr lang="en-GB" dirty="0"/>
+              <a:t>Pc_8_neg_fixed_n4 = (1-(strictly_CD8/(expected_n4)))^(1/depth))</a:t>
+            </a:r>
+          </a:p>
+        </p:txBody>
+      </p:sp>
+      <p:pic>
+        <p:nvPicPr>
+          <p:cNvPr id="16" name="Picture 15">
+            <a:extLst>
+              <a:ext uri="{FF2B5EF4-FFF2-40B4-BE49-F238E27FC236}">
+                <a16:creationId xmlns:a16="http://schemas.microsoft.com/office/drawing/2014/main" id="{A758B22A-17A3-E7C3-FC14-97F6B3454F3C}"/>
+              </a:ext>
+            </a:extLst>
+          </p:cNvPr>
+          <p:cNvPicPr>
+            <a:picLocks noChangeAspect="1"/>
+          </p:cNvPicPr>
+          <p:nvPr/>
+        </p:nvPicPr>
+        <p:blipFill>
+          <a:blip r:embed="rId2"/>
+          <a:stretch>
+            <a:fillRect/>
+          </a:stretch>
+        </p:blipFill>
+        <p:spPr>
+          <a:xfrm>
+            <a:off x="5120519" y="1664626"/>
+            <a:ext cx="6813770" cy="4067580"/>
+          </a:xfrm>
+          <a:prstGeom prst="rect">
+            <a:avLst/>
+          </a:prstGeom>
+        </p:spPr>
+      </p:pic>
+    </p:spTree>
+    <p:extLst>
+      <p:ext uri="{BB962C8B-B14F-4D97-AF65-F5344CB8AC3E}">
+        <p14:creationId xmlns:p14="http://schemas.microsoft.com/office/powerpoint/2010/main" val="179717140"/>
+      </p:ext>
+    </p:extLst>
+  </p:cSld>
+  <p:clrMapOvr>
+    <a:masterClrMapping/>
+  </p:clrMapOvr>
+</p:sld>
+</file>
+
+<file path=ppt/slides/slide4.xml><?xml version="1.0" encoding="utf-8"?>
+<p:sld xmlns:a="http://schemas.openxmlformats.org/drawingml/2006/main" xmlns:r="http://schemas.openxmlformats.org/officeDocument/2006/relationships" xmlns:p="http://schemas.openxmlformats.org/presentationml/2006/main">
+  <p:cSld>
+    <p:spTree>
+      <p:nvGrpSpPr>
+        <p:cNvPr id="1" name=""/>
+        <p:cNvGrpSpPr/>
+        <p:nvPr/>
+      </p:nvGrpSpPr>
+      <p:grpSpPr>
+        <a:xfrm>
+          <a:off x="0" y="0"/>
+          <a:ext cx="0" cy="0"/>
+          <a:chOff x="0" y="0"/>
+          <a:chExt cx="0" cy="0"/>
+        </a:xfrm>
+      </p:grpSpPr>
+      <p:sp>
+        <p:nvSpPr>
           <p:cNvPr id="3" name="Content Placeholder 2">
             <a:extLst>
               <a:ext uri="{FF2B5EF4-FFF2-40B4-BE49-F238E27FC236}">
@@ -3981,8 +4402,13 @@
           <a:p>
             <a:r>
               <a:rPr lang="en-GB" dirty="0"/>
-              <a:t>Pc estimation and true_cd4 fixed</a:t>
-            </a:r>
+              <a:t>Pc estimation and true_cd4 </a:t>
+            </a:r>
+            <a:r>
+              <a:rPr lang="cs-CZ" dirty="0" err="1"/>
+              <a:t>fixed</a:t>
+            </a:r>
+            <a:endParaRPr lang="en-GB" dirty="0"/>
           </a:p>
         </p:txBody>
       </p:sp>
@@ -4097,8 +4523,8 @@
             </a:prstGeom>
           </p:spPr>
         </p:pic>
-        <mc:AlternateContent xmlns:mc="http://schemas.openxmlformats.org/markup-compatibility/2006">
-          <mc:Choice xmlns:p14="http://schemas.microsoft.com/office/powerpoint/2010/main" Requires="p14">
+        <mc:AlternateContent xmlns:mc="http://schemas.openxmlformats.org/markup-compatibility/2006" xmlns:p14="http://schemas.microsoft.com/office/powerpoint/2010/main">
+          <mc:Choice Requires="p14">
             <p:contentPart p14:bwMode="auto" r:id="rId4">
               <p14:nvContentPartPr>
                 <p14:cNvPr id="12" name="Ink 11">
@@ -4117,7 +4543,7 @@
               </p14:xfrm>
             </p:contentPart>
           </mc:Choice>
-          <mc:Fallback>
+          <mc:Fallback xmlns="">
             <p:pic>
               <p:nvPicPr>
                 <p:cNvPr id="12" name="Ink 11">
@@ -4148,8 +4574,8 @@
             </p:pic>
           </mc:Fallback>
         </mc:AlternateContent>
-        <mc:AlternateContent xmlns:mc="http://schemas.openxmlformats.org/markup-compatibility/2006">
-          <mc:Choice xmlns:p14="http://schemas.microsoft.com/office/powerpoint/2010/main" Requires="p14">
+        <mc:AlternateContent xmlns:mc="http://schemas.openxmlformats.org/markup-compatibility/2006" xmlns:p14="http://schemas.microsoft.com/office/powerpoint/2010/main">
+          <mc:Choice Requires="p14">
             <p:contentPart p14:bwMode="auto" r:id="rId6">
               <p14:nvContentPartPr>
                 <p14:cNvPr id="14" name="Ink 13">
@@ -4168,7 +4594,7 @@
               </p14:xfrm>
             </p:contentPart>
           </mc:Choice>
-          <mc:Fallback>
+          <mc:Fallback xmlns="">
             <p:pic>
               <p:nvPicPr>
                 <p:cNvPr id="14" name="Ink 13">
@@ -4199,8 +4625,8 @@
             </p:pic>
           </mc:Fallback>
         </mc:AlternateContent>
-        <mc:AlternateContent xmlns:mc="http://schemas.openxmlformats.org/markup-compatibility/2006">
-          <mc:Choice xmlns:p14="http://schemas.microsoft.com/office/powerpoint/2010/main" Requires="p14">
+        <mc:AlternateContent xmlns:mc="http://schemas.openxmlformats.org/markup-compatibility/2006" xmlns:p14="http://schemas.microsoft.com/office/powerpoint/2010/main">
+          <mc:Choice Requires="p14">
             <p:contentPart p14:bwMode="auto" r:id="rId8">
               <p14:nvContentPartPr>
                 <p14:cNvPr id="16" name="Ink 15">
@@ -4219,7 +4645,7 @@
               </p14:xfrm>
             </p:contentPart>
           </mc:Choice>
-          <mc:Fallback>
+          <mc:Fallback xmlns="">
             <p:pic>
               <p:nvPicPr>
                 <p:cNvPr id="16" name="Ink 15">
@@ -4264,7 +4690,7 @@
 </p:sld>
 </file>
 
-<file path=ppt/slides/slide4.xml><?xml version="1.0" encoding="utf-8"?>
+<file path=ppt/slides/slide5.xml><?xml version="1.0" encoding="utf-8"?>
 <p:sld xmlns:a="http://schemas.openxmlformats.org/drawingml/2006/main" xmlns:r="http://schemas.openxmlformats.org/officeDocument/2006/relationships" xmlns:p="http://schemas.openxmlformats.org/presentationml/2006/main">
   <p:cSld>
     <p:spTree>
@@ -4410,8 +4836,13 @@
           <a:p>
             <a:r>
               <a:rPr lang="en-GB" dirty="0"/>
-              <a:t>alpha</a:t>
-            </a:r>
+              <a:t>Alpha</a:t>
+            </a:r>
+            <a:r>
+              <a:rPr lang="cs-CZ" dirty="0"/>
+              <a:t>, true_cd4 = 372</a:t>
+            </a:r>
+            <a:endParaRPr lang="en-GB" dirty="0"/>
           </a:p>
         </p:txBody>
       </p:sp>
@@ -4463,7 +4894,7 @@
 </p:sld>
 </file>
 
-<file path=ppt/slides/slide5.xml><?xml version="1.0" encoding="utf-8"?>
+<file path=ppt/slides/slide6.xml><?xml version="1.0" encoding="utf-8"?>
 <p:sld xmlns:a="http://schemas.openxmlformats.org/drawingml/2006/main" xmlns:r="http://schemas.openxmlformats.org/officeDocument/2006/relationships" xmlns:p="http://schemas.openxmlformats.org/presentationml/2006/main">
   <p:cSld>
     <p:spTree>
@@ -4611,6 +5042,46 @@
           </a:p>
         </p:txBody>
       </p:sp>
+      <p:sp>
+        <p:nvSpPr>
+          <p:cNvPr id="4" name="TextBox 3">
+            <a:extLst>
+              <a:ext uri="{FF2B5EF4-FFF2-40B4-BE49-F238E27FC236}">
+                <a16:creationId xmlns:a16="http://schemas.microsoft.com/office/drawing/2014/main" id="{E793159C-585C-DBA9-A5DD-625270846205}"/>
+              </a:ext>
+            </a:extLst>
+          </p:cNvPr>
+          <p:cNvSpPr txBox="1"/>
+          <p:nvPr/>
+        </p:nvSpPr>
+        <p:spPr>
+          <a:xfrm>
+            <a:off x="905164" y="1351900"/>
+            <a:ext cx="5726545" cy="369332"/>
+          </a:xfrm>
+          <a:prstGeom prst="rect">
+            <a:avLst/>
+          </a:prstGeom>
+          <a:noFill/>
+        </p:spPr>
+        <p:txBody>
+          <a:bodyPr wrap="square" rtlCol="0">
+            <a:spAutoFit/>
+          </a:bodyPr>
+          <a:lstStyle/>
+          <a:p>
+            <a:r>
+              <a:rPr lang="en-GB" dirty="0"/>
+              <a:t>Alpha</a:t>
+            </a:r>
+            <a:r>
+              <a:rPr lang="cs-CZ" dirty="0"/>
+              <a:t>, true_cd4 = 372</a:t>
+            </a:r>
+            <a:endParaRPr lang="en-GB" dirty="0"/>
+          </a:p>
+        </p:txBody>
+      </p:sp>
     </p:spTree>
     <p:extLst>
       <p:ext uri="{BB962C8B-B14F-4D97-AF65-F5344CB8AC3E}">
@@ -4624,7 +5095,7 @@
 </p:sld>
 </file>
 
-<file path=ppt/slides/slide6.xml><?xml version="1.0" encoding="utf-8"?>
+<file path=ppt/slides/slide7.xml><?xml version="1.0" encoding="utf-8"?>
 <p:sld xmlns:a="http://schemas.openxmlformats.org/drawingml/2006/main" xmlns:r="http://schemas.openxmlformats.org/officeDocument/2006/relationships" xmlns:p="http://schemas.openxmlformats.org/presentationml/2006/main">
   <p:cSld>
     <p:spTree>
@@ -4709,10 +5180,406 @@
           </a:p>
         </p:txBody>
       </p:sp>
+      <p:sp>
+        <p:nvSpPr>
+          <p:cNvPr id="3" name="TextBox 2">
+            <a:extLst>
+              <a:ext uri="{FF2B5EF4-FFF2-40B4-BE49-F238E27FC236}">
+                <a16:creationId xmlns:a16="http://schemas.microsoft.com/office/drawing/2014/main" id="{0A8BC482-BE68-AFCD-12F7-100FE882F573}"/>
+              </a:ext>
+            </a:extLst>
+          </p:cNvPr>
+          <p:cNvSpPr txBox="1"/>
+          <p:nvPr/>
+        </p:nvSpPr>
+        <p:spPr>
+          <a:xfrm>
+            <a:off x="905164" y="1351900"/>
+            <a:ext cx="5726545" cy="369332"/>
+          </a:xfrm>
+          <a:prstGeom prst="rect">
+            <a:avLst/>
+          </a:prstGeom>
+          <a:noFill/>
+        </p:spPr>
+        <p:txBody>
+          <a:bodyPr wrap="square" rtlCol="0">
+            <a:spAutoFit/>
+          </a:bodyPr>
+          <a:lstStyle/>
+          <a:p>
+            <a:r>
+              <a:rPr lang="en-GB" dirty="0"/>
+              <a:t>Alpha</a:t>
+            </a:r>
+            <a:r>
+              <a:rPr lang="cs-CZ" dirty="0"/>
+              <a:t>, true_cd4 = 372</a:t>
+            </a:r>
+            <a:endParaRPr lang="en-GB" dirty="0"/>
+          </a:p>
+        </p:txBody>
+      </p:sp>
     </p:spTree>
     <p:extLst>
       <p:ext uri="{BB962C8B-B14F-4D97-AF65-F5344CB8AC3E}">
         <p14:creationId xmlns:p14="http://schemas.microsoft.com/office/powerpoint/2010/main" val="4289176572"/>
+      </p:ext>
+    </p:extLst>
+  </p:cSld>
+  <p:clrMapOvr>
+    <a:masterClrMapping/>
+  </p:clrMapOvr>
+</p:sld>
+</file>
+
+<file path=ppt/slides/slide8.xml><?xml version="1.0" encoding="utf-8"?>
+<p:sld xmlns:a="http://schemas.openxmlformats.org/drawingml/2006/main" xmlns:r="http://schemas.openxmlformats.org/officeDocument/2006/relationships" xmlns:p="http://schemas.openxmlformats.org/presentationml/2006/main">
+  <p:cSld>
+    <p:spTree>
+      <p:nvGrpSpPr>
+        <p:cNvPr id="1" name=""/>
+        <p:cNvGrpSpPr/>
+        <p:nvPr/>
+      </p:nvGrpSpPr>
+      <p:grpSpPr>
+        <a:xfrm>
+          <a:off x="0" y="0"/>
+          <a:ext cx="0" cy="0"/>
+          <a:chOff x="0" y="0"/>
+          <a:chExt cx="0" cy="0"/>
+        </a:xfrm>
+      </p:grpSpPr>
+      <p:pic>
+        <p:nvPicPr>
+          <p:cNvPr id="5" name="Content Placeholder 4">
+            <a:extLst>
+              <a:ext uri="{FF2B5EF4-FFF2-40B4-BE49-F238E27FC236}">
+                <a16:creationId xmlns:a16="http://schemas.microsoft.com/office/drawing/2014/main" id="{8B990E36-8D09-BA4D-6092-05020788FCA6}"/>
+              </a:ext>
+            </a:extLst>
+          </p:cNvPr>
+          <p:cNvPicPr>
+            <a:picLocks noGrp="1" noChangeAspect="1"/>
+          </p:cNvPicPr>
+          <p:nvPr>
+            <p:ph idx="1"/>
+          </p:nvPr>
+        </p:nvPicPr>
+        <p:blipFill>
+          <a:blip r:embed="rId2">
+            <a:extLst>
+              <a:ext uri="{28A0092B-C50C-407E-A947-70E740481C1C}">
+                <a14:useLocalDpi xmlns:a14="http://schemas.microsoft.com/office/drawing/2010/main" val="0"/>
+              </a:ext>
+            </a:extLst>
+          </a:blip>
+          <a:stretch>
+            <a:fillRect/>
+          </a:stretch>
+        </p:blipFill>
+        <p:spPr>
+          <a:xfrm>
+            <a:off x="523098" y="1933779"/>
+            <a:ext cx="7252229" cy="4351338"/>
+          </a:xfrm>
+        </p:spPr>
+      </p:pic>
+      <p:sp>
+        <p:nvSpPr>
+          <p:cNvPr id="6" name="Title 1">
+            <a:extLst>
+              <a:ext uri="{FF2B5EF4-FFF2-40B4-BE49-F238E27FC236}">
+                <a16:creationId xmlns:a16="http://schemas.microsoft.com/office/drawing/2014/main" id="{445212EE-4595-B904-0368-3CEDCC0AEF5D}"/>
+              </a:ext>
+            </a:extLst>
+          </p:cNvPr>
+          <p:cNvSpPr txBox="1">
+            <a:spLocks/>
+          </p:cNvSpPr>
+          <p:nvPr/>
+        </p:nvSpPr>
+        <p:spPr>
+          <a:xfrm>
+            <a:off x="838200" y="448699"/>
+            <a:ext cx="10515600" cy="1325563"/>
+          </a:xfrm>
+          <a:prstGeom prst="rect">
+            <a:avLst/>
+          </a:prstGeom>
+        </p:spPr>
+        <p:txBody>
+          <a:bodyPr vert="horz" lIns="91440" tIns="45720" rIns="91440" bIns="45720" rtlCol="0" anchor="ctr">
+            <a:normAutofit/>
+          </a:bodyPr>
+          <a:lstStyle>
+            <a:lvl1pPr algn="l" defTabSz="914400" rtl="0" eaLnBrk="1" latinLnBrk="0" hangingPunct="1">
+              <a:lnSpc>
+                <a:spcPct val="90000"/>
+              </a:lnSpc>
+              <a:spcBef>
+                <a:spcPct val="0"/>
+              </a:spcBef>
+              <a:buNone/>
+              <a:defRPr sz="4400" kern="1200">
+                <a:solidFill>
+                  <a:schemeClr val="tx1"/>
+                </a:solidFill>
+                <a:latin typeface="+mj-lt"/>
+                <a:ea typeface="+mj-ea"/>
+                <a:cs typeface="+mj-cs"/>
+              </a:defRPr>
+            </a:lvl1pPr>
+          </a:lstStyle>
+          <a:p>
+            <a:r>
+              <a:rPr lang="en-GB" dirty="0"/>
+              <a:t>Pc estimation and true_cd4 </a:t>
+            </a:r>
+            <a:r>
+              <a:rPr lang="cs-CZ" dirty="0" err="1"/>
+              <a:t>fixed</a:t>
+            </a:r>
+            <a:endParaRPr lang="en-GB" dirty="0"/>
+          </a:p>
+        </p:txBody>
+      </p:sp>
+      <p:sp>
+        <p:nvSpPr>
+          <p:cNvPr id="7" name="TextBox 6">
+            <a:extLst>
+              <a:ext uri="{FF2B5EF4-FFF2-40B4-BE49-F238E27FC236}">
+                <a16:creationId xmlns:a16="http://schemas.microsoft.com/office/drawing/2014/main" id="{D4C31CCC-4DCA-20DB-1D15-A9BFB3981DB0}"/>
+              </a:ext>
+            </a:extLst>
+          </p:cNvPr>
+          <p:cNvSpPr txBox="1"/>
+          <p:nvPr/>
+        </p:nvSpPr>
+        <p:spPr>
+          <a:xfrm>
+            <a:off x="905164" y="1351900"/>
+            <a:ext cx="5726545" cy="369332"/>
+          </a:xfrm>
+          <a:prstGeom prst="rect">
+            <a:avLst/>
+          </a:prstGeom>
+          <a:noFill/>
+        </p:spPr>
+        <p:txBody>
+          <a:bodyPr wrap="square" rtlCol="0">
+            <a:spAutoFit/>
+          </a:bodyPr>
+          <a:lstStyle/>
+          <a:p>
+            <a:r>
+              <a:rPr lang="cs-CZ" dirty="0"/>
+              <a:t>Beta, true_cd4 = 89</a:t>
+            </a:r>
+            <a:endParaRPr lang="en-GB" dirty="0"/>
+          </a:p>
+        </p:txBody>
+      </p:sp>
+    </p:spTree>
+    <p:extLst>
+      <p:ext uri="{BB962C8B-B14F-4D97-AF65-F5344CB8AC3E}">
+        <p14:creationId xmlns:p14="http://schemas.microsoft.com/office/powerpoint/2010/main" val="521766810"/>
+      </p:ext>
+    </p:extLst>
+  </p:cSld>
+  <p:clrMapOvr>
+    <a:masterClrMapping/>
+  </p:clrMapOvr>
+</p:sld>
+</file>
+
+<file path=ppt/slides/slide9.xml><?xml version="1.0" encoding="utf-8"?>
+<p:sld xmlns:a="http://schemas.openxmlformats.org/drawingml/2006/main" xmlns:r="http://schemas.openxmlformats.org/officeDocument/2006/relationships" xmlns:p="http://schemas.openxmlformats.org/presentationml/2006/main">
+  <p:cSld>
+    <p:spTree>
+      <p:nvGrpSpPr>
+        <p:cNvPr id="1" name=""/>
+        <p:cNvGrpSpPr/>
+        <p:nvPr/>
+      </p:nvGrpSpPr>
+      <p:grpSpPr>
+        <a:xfrm>
+          <a:off x="0" y="0"/>
+          <a:ext cx="0" cy="0"/>
+          <a:chOff x="0" y="0"/>
+          <a:chExt cx="0" cy="0"/>
+        </a:xfrm>
+      </p:grpSpPr>
+      <p:pic>
+        <p:nvPicPr>
+          <p:cNvPr id="8" name="Content Placeholder 7" descr="A graph with blue dots&#10;&#10;AI-generated content may be incorrect.">
+            <a:extLst>
+              <a:ext uri="{FF2B5EF4-FFF2-40B4-BE49-F238E27FC236}">
+                <a16:creationId xmlns:a16="http://schemas.microsoft.com/office/drawing/2014/main" id="{579565D8-92B5-1706-70AB-41008DAA7671}"/>
+              </a:ext>
+            </a:extLst>
+          </p:cNvPr>
+          <p:cNvPicPr>
+            <a:picLocks noGrp="1" noChangeAspect="1"/>
+          </p:cNvPicPr>
+          <p:nvPr>
+            <p:ph idx="1"/>
+          </p:nvPr>
+        </p:nvPicPr>
+        <p:blipFill>
+          <a:blip r:embed="rId2">
+            <a:extLst>
+              <a:ext uri="{28A0092B-C50C-407E-A947-70E740481C1C}">
+                <a14:useLocalDpi xmlns:a14="http://schemas.microsoft.com/office/drawing/2010/main" val="0"/>
+              </a:ext>
+            </a:extLst>
+          </a:blip>
+          <a:stretch>
+            <a:fillRect/>
+          </a:stretch>
+        </p:blipFill>
+        <p:spPr>
+          <a:xfrm>
+            <a:off x="514094" y="1857401"/>
+            <a:ext cx="5801784" cy="4351338"/>
+          </a:xfrm>
+        </p:spPr>
+      </p:pic>
+      <p:sp>
+        <p:nvSpPr>
+          <p:cNvPr id="5" name="Title 1">
+            <a:extLst>
+              <a:ext uri="{FF2B5EF4-FFF2-40B4-BE49-F238E27FC236}">
+                <a16:creationId xmlns:a16="http://schemas.microsoft.com/office/drawing/2014/main" id="{677CBAB6-0B3D-21C4-99E9-79EFECF6CD93}"/>
+              </a:ext>
+            </a:extLst>
+          </p:cNvPr>
+          <p:cNvSpPr txBox="1">
+            <a:spLocks/>
+          </p:cNvSpPr>
+          <p:nvPr/>
+        </p:nvSpPr>
+        <p:spPr>
+          <a:xfrm>
+            <a:off x="838200" y="448699"/>
+            <a:ext cx="10515600" cy="1325563"/>
+          </a:xfrm>
+          <a:prstGeom prst="rect">
+            <a:avLst/>
+          </a:prstGeom>
+        </p:spPr>
+        <p:txBody>
+          <a:bodyPr vert="horz" lIns="91440" tIns="45720" rIns="91440" bIns="45720" rtlCol="0" anchor="ctr">
+            <a:normAutofit/>
+          </a:bodyPr>
+          <a:lstStyle>
+            <a:lvl1pPr algn="l" defTabSz="914400" rtl="0" eaLnBrk="1" latinLnBrk="0" hangingPunct="1">
+              <a:lnSpc>
+                <a:spcPct val="90000"/>
+              </a:lnSpc>
+              <a:spcBef>
+                <a:spcPct val="0"/>
+              </a:spcBef>
+              <a:buNone/>
+              <a:defRPr sz="4400" kern="1200">
+                <a:solidFill>
+                  <a:schemeClr val="tx1"/>
+                </a:solidFill>
+                <a:latin typeface="+mj-lt"/>
+                <a:ea typeface="+mj-ea"/>
+                <a:cs typeface="+mj-cs"/>
+              </a:defRPr>
+            </a:lvl1pPr>
+          </a:lstStyle>
+          <a:p>
+            <a:r>
+              <a:rPr lang="en-GB" dirty="0"/>
+              <a:t>Pc estimation and true_cd4 </a:t>
+            </a:r>
+            <a:r>
+              <a:rPr lang="cs-CZ" dirty="0" err="1"/>
+              <a:t>fixed</a:t>
+            </a:r>
+            <a:endParaRPr lang="en-GB" dirty="0"/>
+          </a:p>
+        </p:txBody>
+      </p:sp>
+      <p:sp>
+        <p:nvSpPr>
+          <p:cNvPr id="6" name="TextBox 5">
+            <a:extLst>
+              <a:ext uri="{FF2B5EF4-FFF2-40B4-BE49-F238E27FC236}">
+                <a16:creationId xmlns:a16="http://schemas.microsoft.com/office/drawing/2014/main" id="{4432522A-CBF4-EC98-1F29-759430AE1727}"/>
+              </a:ext>
+            </a:extLst>
+          </p:cNvPr>
+          <p:cNvSpPr txBox="1"/>
+          <p:nvPr/>
+        </p:nvSpPr>
+        <p:spPr>
+          <a:xfrm>
+            <a:off x="905164" y="1351900"/>
+            <a:ext cx="5726545" cy="369332"/>
+          </a:xfrm>
+          <a:prstGeom prst="rect">
+            <a:avLst/>
+          </a:prstGeom>
+          <a:noFill/>
+        </p:spPr>
+        <p:txBody>
+          <a:bodyPr wrap="square" rtlCol="0">
+            <a:spAutoFit/>
+          </a:bodyPr>
+          <a:lstStyle/>
+          <a:p>
+            <a:r>
+              <a:rPr lang="cs-CZ" dirty="0"/>
+              <a:t>Beta, true_cd4 = 89</a:t>
+            </a:r>
+            <a:endParaRPr lang="en-GB" dirty="0"/>
+          </a:p>
+        </p:txBody>
+      </p:sp>
+      <p:pic>
+        <p:nvPicPr>
+          <p:cNvPr id="10" name="Picture 9" descr="A graph with red dots&#10;&#10;AI-generated content may be incorrect.">
+            <a:extLst>
+              <a:ext uri="{FF2B5EF4-FFF2-40B4-BE49-F238E27FC236}">
+                <a16:creationId xmlns:a16="http://schemas.microsoft.com/office/drawing/2014/main" id="{15D6B8FB-05BB-C3BC-1055-4335903EB973}"/>
+              </a:ext>
+            </a:extLst>
+          </p:cNvPr>
+          <p:cNvPicPr>
+            <a:picLocks noChangeAspect="1"/>
+          </p:cNvPicPr>
+          <p:nvPr/>
+        </p:nvPicPr>
+        <p:blipFill>
+          <a:blip r:embed="rId3">
+            <a:extLst>
+              <a:ext uri="{28A0092B-C50C-407E-A947-70E740481C1C}">
+                <a14:useLocalDpi xmlns:a14="http://schemas.microsoft.com/office/drawing/2010/main" val="0"/>
+              </a:ext>
+            </a:extLst>
+          </a:blip>
+          <a:stretch>
+            <a:fillRect/>
+          </a:stretch>
+        </p:blipFill>
+        <p:spPr>
+          <a:xfrm>
+            <a:off x="6096000" y="1838505"/>
+            <a:ext cx="5852172" cy="4389129"/>
+          </a:xfrm>
+          <a:prstGeom prst="rect">
+            <a:avLst/>
+          </a:prstGeom>
+        </p:spPr>
+      </p:pic>
+    </p:spTree>
+    <p:extLst>
+      <p:ext uri="{BB962C8B-B14F-4D97-AF65-F5344CB8AC3E}">
+        <p14:creationId xmlns:p14="http://schemas.microsoft.com/office/powerpoint/2010/main" val="3517870065"/>
       </p:ext>
     </p:extLst>
   </p:cSld>
